--- a/src/pages/events/2024-03-11/slides/03-utelecon.pptx
+++ b/src/pages/events/2024-03-11/slides/03-utelecon.pptx
@@ -142,334 +142,10 @@
 <file path=ppt/revisionInfo.xml><?xml version="1.0" encoding="utf-8"?>
 <p1510:revInfo xmlns:a="http://schemas.openxmlformats.org/drawingml/2006/main" xmlns:r="http://schemas.openxmlformats.org/officeDocument/2006/relationships" xmlns:p1510="http://schemas.microsoft.com/office/powerpoint/2015/10/main">
   <p1510:revLst>
+    <p1510:client id="{423D1FAD-2F8C-7B5A-8D02-C0636A22BEE2}" v="66" dt="2024-03-12T05:48:04.995"/>
     <p1510:client id="{D3DA5502-F137-4463-1821-7E0B80B616BB}" v="26" dt="2024-03-10T09:33:05.693"/>
   </p1510:revLst>
 </p1510:revInfo>
-</file>
-
-<file path=ppt/changesInfos/changesInfo1.xml><?xml version="1.0" encoding="utf-8"?>
-<pc:chgInfo xmlns:a="http://schemas.openxmlformats.org/drawingml/2006/main" xmlns:r="http://schemas.openxmlformats.org/officeDocument/2006/relationships" xmlns:ac="http://schemas.microsoft.com/office/drawing/2013/main/command" xmlns:pc="http://schemas.microsoft.com/office/powerpoint/2013/main/command">
-  <pc:docChgLst>
-    <pc:chgData name="玉造　潤史" userId="S::6912876266@utac.u-tokyo.ac.jp::0be71875-873b-465c-afd9-2857e2860bc4" providerId="AD" clId="Web-{D3DA5502-F137-4463-1821-7E0B80B616BB}"/>
-    <pc:docChg chg="mod modSld">
-      <pc:chgData name="玉造　潤史" userId="S::6912876266@utac.u-tokyo.ac.jp::0be71875-873b-465c-afd9-2857e2860bc4" providerId="AD" clId="Web-{D3DA5502-F137-4463-1821-7E0B80B616BB}" dt="2024-03-10T09:33:05.693" v="27" actId="20577"/>
-      <pc:docMkLst>
-        <pc:docMk/>
-      </pc:docMkLst>
-      <pc:sldChg chg="modSp modCm">
-        <pc:chgData name="玉造　潤史" userId="S::6912876266@utac.u-tokyo.ac.jp::0be71875-873b-465c-afd9-2857e2860bc4" providerId="AD" clId="Web-{D3DA5502-F137-4463-1821-7E0B80B616BB}" dt="2024-03-10T09:33:05.693" v="27" actId="20577"/>
-        <pc:sldMkLst>
-          <pc:docMk/>
-          <pc:sldMk cId="2817171327" sldId="256"/>
-        </pc:sldMkLst>
-        <pc:spChg chg="mod">
-          <ac:chgData name="玉造　潤史" userId="S::6912876266@utac.u-tokyo.ac.jp::0be71875-873b-465c-afd9-2857e2860bc4" providerId="AD" clId="Web-{D3DA5502-F137-4463-1821-7E0B80B616BB}" dt="2024-03-10T09:33:05.693" v="27" actId="20577"/>
-          <ac:spMkLst>
-            <pc:docMk/>
-            <pc:sldMk cId="2817171327" sldId="256"/>
-            <ac:spMk id="2" creationId="{2B7B3D2F-E6E7-E030-7DCC-35B571894566}"/>
-          </ac:spMkLst>
-        </pc:spChg>
-        <pc:extLst>
-          <p:ext xmlns:p="http://schemas.openxmlformats.org/presentationml/2006/main" uri="{D6D511B9-2390-475A-947B-AFAB55BFBCF1}">
-            <pc226:cmChg xmlns:pc226="http://schemas.microsoft.com/office/powerpoint/2022/06/main/command" chg="mod modRxn">
-              <pc226:chgData name="玉造　潤史" userId="S::6912876266@utac.u-tokyo.ac.jp::0be71875-873b-465c-afd9-2857e2860bc4" providerId="AD" clId="Web-{D3DA5502-F137-4463-1821-7E0B80B616BB}" dt="2024-03-10T09:33:03.490" v="26"/>
-              <pc2:cmMkLst xmlns:pc2="http://schemas.microsoft.com/office/powerpoint/2019/9/main/command">
-                <pc:docMk/>
-                <pc:sldMk cId="2817171327" sldId="256"/>
-                <pc2:cmMk id="{B8DC98D4-2638-4AAB-9D3B-6D1A35CD97EC}"/>
-              </pc2:cmMkLst>
-            </pc226:cmChg>
-          </p:ext>
-        </pc:extLst>
-      </pc:sldChg>
-      <pc:sldChg chg="modSp">
-        <pc:chgData name="玉造　潤史" userId="S::6912876266@utac.u-tokyo.ac.jp::0be71875-873b-465c-afd9-2857e2860bc4" providerId="AD" clId="Web-{D3DA5502-F137-4463-1821-7E0B80B616BB}" dt="2024-03-10T09:32:32.333" v="22" actId="20577"/>
-        <pc:sldMkLst>
-          <pc:docMk/>
-          <pc:sldMk cId="3335634721" sldId="270"/>
-        </pc:sldMkLst>
-        <pc:spChg chg="mod">
-          <ac:chgData name="玉造　潤史" userId="S::6912876266@utac.u-tokyo.ac.jp::0be71875-873b-465c-afd9-2857e2860bc4" providerId="AD" clId="Web-{D3DA5502-F137-4463-1821-7E0B80B616BB}" dt="2024-03-10T09:32:32.333" v="22" actId="20577"/>
-          <ac:spMkLst>
-            <pc:docMk/>
-            <pc:sldMk cId="3335634721" sldId="270"/>
-            <ac:spMk id="5" creationId="{7946B215-C49B-CB07-1E59-FCCF6B4BE73E}"/>
-          </ac:spMkLst>
-        </pc:spChg>
-      </pc:sldChg>
-    </pc:docChg>
-  </pc:docChgLst>
-  <pc:docChgLst>
-    <pc:chgData name="玉造　潤史" userId="0be71875-873b-465c-afd9-2857e2860bc4" providerId="ADAL" clId="{0EFBDC13-8000-4E56-8345-6F29B5302242}"/>
-    <pc:docChg chg="custSel modSld modMainMaster">
-      <pc:chgData name="玉造　潤史" userId="0be71875-873b-465c-afd9-2857e2860bc4" providerId="ADAL" clId="{0EFBDC13-8000-4E56-8345-6F29B5302242}" dt="2024-03-04T09:49:56.926" v="875"/>
-      <pc:docMkLst>
-        <pc:docMk/>
-      </pc:docMkLst>
-      <pc:sldChg chg="modSp mod">
-        <pc:chgData name="玉造　潤史" userId="0be71875-873b-465c-afd9-2857e2860bc4" providerId="ADAL" clId="{0EFBDC13-8000-4E56-8345-6F29B5302242}" dt="2024-03-04T09:36:34.724" v="38" actId="20577"/>
-        <pc:sldMkLst>
-          <pc:docMk/>
-          <pc:sldMk cId="2817171327" sldId="256"/>
-        </pc:sldMkLst>
-        <pc:spChg chg="mod">
-          <ac:chgData name="玉造　潤史" userId="0be71875-873b-465c-afd9-2857e2860bc4" providerId="ADAL" clId="{0EFBDC13-8000-4E56-8345-6F29B5302242}" dt="2024-03-04T09:36:34.724" v="38" actId="20577"/>
-          <ac:spMkLst>
-            <pc:docMk/>
-            <pc:sldMk cId="2817171327" sldId="256"/>
-            <ac:spMk id="2" creationId="{2B7B3D2F-E6E7-E030-7DCC-35B571894566}"/>
-          </ac:spMkLst>
-        </pc:spChg>
-      </pc:sldChg>
-      <pc:sldChg chg="modSp mod">
-        <pc:chgData name="玉造　潤史" userId="0be71875-873b-465c-afd9-2857e2860bc4" providerId="ADAL" clId="{0EFBDC13-8000-4E56-8345-6F29B5302242}" dt="2024-03-04T09:36:53.623" v="52" actId="20577"/>
-        <pc:sldMkLst>
-          <pc:docMk/>
-          <pc:sldMk cId="1060102755" sldId="258"/>
-        </pc:sldMkLst>
-        <pc:spChg chg="mod">
-          <ac:chgData name="玉造　潤史" userId="0be71875-873b-465c-afd9-2857e2860bc4" providerId="ADAL" clId="{0EFBDC13-8000-4E56-8345-6F29B5302242}" dt="2024-03-04T09:36:53.623" v="52" actId="20577"/>
-          <ac:spMkLst>
-            <pc:docMk/>
-            <pc:sldMk cId="1060102755" sldId="258"/>
-            <ac:spMk id="5" creationId="{C48BCAE3-D38D-66B3-FC45-C70F14A762F5}"/>
-          </ac:spMkLst>
-        </pc:spChg>
-      </pc:sldChg>
-      <pc:sldChg chg="modSp mod">
-        <pc:chgData name="玉造　潤史" userId="0be71875-873b-465c-afd9-2857e2860bc4" providerId="ADAL" clId="{0EFBDC13-8000-4E56-8345-6F29B5302242}" dt="2024-03-04T09:37:16.987" v="67" actId="404"/>
-        <pc:sldMkLst>
-          <pc:docMk/>
-          <pc:sldMk cId="714338076" sldId="259"/>
-        </pc:sldMkLst>
-        <pc:spChg chg="mod">
-          <ac:chgData name="玉造　潤史" userId="0be71875-873b-465c-afd9-2857e2860bc4" providerId="ADAL" clId="{0EFBDC13-8000-4E56-8345-6F29B5302242}" dt="2024-03-04T09:37:16.987" v="67" actId="404"/>
-          <ac:spMkLst>
-            <pc:docMk/>
-            <pc:sldMk cId="714338076" sldId="259"/>
-            <ac:spMk id="4" creationId="{25252670-D542-D987-B9D2-AAC1C2202BA0}"/>
-          </ac:spMkLst>
-        </pc:spChg>
-      </pc:sldChg>
-      <pc:sldChg chg="modSp mod">
-        <pc:chgData name="玉造　潤史" userId="0be71875-873b-465c-afd9-2857e2860bc4" providerId="ADAL" clId="{0EFBDC13-8000-4E56-8345-6F29B5302242}" dt="2024-03-04T09:39:25.153" v="350"/>
-        <pc:sldMkLst>
-          <pc:docMk/>
-          <pc:sldMk cId="1902104430" sldId="260"/>
-        </pc:sldMkLst>
-        <pc:spChg chg="mod">
-          <ac:chgData name="玉造　潤史" userId="0be71875-873b-465c-afd9-2857e2860bc4" providerId="ADAL" clId="{0EFBDC13-8000-4E56-8345-6F29B5302242}" dt="2024-03-04T09:37:30.513" v="87"/>
-          <ac:spMkLst>
-            <pc:docMk/>
-            <pc:sldMk cId="1902104430" sldId="260"/>
-            <ac:spMk id="4" creationId="{CE9EC642-52F2-E281-2843-6376FF626E5B}"/>
-          </ac:spMkLst>
-        </pc:spChg>
-        <pc:spChg chg="mod">
-          <ac:chgData name="玉造　潤史" userId="0be71875-873b-465c-afd9-2857e2860bc4" providerId="ADAL" clId="{0EFBDC13-8000-4E56-8345-6F29B5302242}" dt="2024-03-04T09:39:25.153" v="350"/>
-          <ac:spMkLst>
-            <pc:docMk/>
-            <pc:sldMk cId="1902104430" sldId="260"/>
-            <ac:spMk id="5" creationId="{1EEA2CA4-359E-5A51-EE52-410811C09C2C}"/>
-          </ac:spMkLst>
-        </pc:spChg>
-      </pc:sldChg>
-      <pc:sldChg chg="modSp mod">
-        <pc:chgData name="玉造　潤史" userId="0be71875-873b-465c-afd9-2857e2860bc4" providerId="ADAL" clId="{0EFBDC13-8000-4E56-8345-6F29B5302242}" dt="2024-03-04T09:45:36.673" v="529"/>
-        <pc:sldMkLst>
-          <pc:docMk/>
-          <pc:sldMk cId="3335634721" sldId="270"/>
-        </pc:sldMkLst>
-        <pc:spChg chg="mod">
-          <ac:chgData name="玉造　潤史" userId="0be71875-873b-465c-afd9-2857e2860bc4" providerId="ADAL" clId="{0EFBDC13-8000-4E56-8345-6F29B5302242}" dt="2024-03-04T09:45:36.673" v="529"/>
-          <ac:spMkLst>
-            <pc:docMk/>
-            <pc:sldMk cId="3335634721" sldId="270"/>
-            <ac:spMk id="5" creationId="{7946B215-C49B-CB07-1E59-FCCF6B4BE73E}"/>
-          </ac:spMkLst>
-        </pc:spChg>
-      </pc:sldChg>
-      <pc:sldChg chg="modSp mod">
-        <pc:chgData name="玉造　潤史" userId="0be71875-873b-465c-afd9-2857e2860bc4" providerId="ADAL" clId="{0EFBDC13-8000-4E56-8345-6F29B5302242}" dt="2024-03-04T09:46:48.780" v="600"/>
-        <pc:sldMkLst>
-          <pc:docMk/>
-          <pc:sldMk cId="4086726745" sldId="271"/>
-        </pc:sldMkLst>
-        <pc:spChg chg="mod">
-          <ac:chgData name="玉造　潤史" userId="0be71875-873b-465c-afd9-2857e2860bc4" providerId="ADAL" clId="{0EFBDC13-8000-4E56-8345-6F29B5302242}" dt="2024-03-04T09:46:48.780" v="600"/>
-          <ac:spMkLst>
-            <pc:docMk/>
-            <pc:sldMk cId="4086726745" sldId="271"/>
-            <ac:spMk id="3" creationId="{6C7F6B8B-945D-17EA-E0FB-F03A6A52129D}"/>
-          </ac:spMkLst>
-        </pc:spChg>
-      </pc:sldChg>
-      <pc:sldChg chg="modSp mod">
-        <pc:chgData name="玉造　潤史" userId="0be71875-873b-465c-afd9-2857e2860bc4" providerId="ADAL" clId="{0EFBDC13-8000-4E56-8345-6F29B5302242}" dt="2024-03-04T09:47:37.491" v="690" actId="20577"/>
-        <pc:sldMkLst>
-          <pc:docMk/>
-          <pc:sldMk cId="3992281162" sldId="272"/>
-        </pc:sldMkLst>
-        <pc:spChg chg="mod">
-          <ac:chgData name="玉造　潤史" userId="0be71875-873b-465c-afd9-2857e2860bc4" providerId="ADAL" clId="{0EFBDC13-8000-4E56-8345-6F29B5302242}" dt="2024-03-04T09:47:37.491" v="690" actId="20577"/>
-          <ac:spMkLst>
-            <pc:docMk/>
-            <pc:sldMk cId="3992281162" sldId="272"/>
-            <ac:spMk id="5" creationId="{EFA41226-84AA-5484-F59D-EC630C214413}"/>
-          </ac:spMkLst>
-        </pc:spChg>
-      </pc:sldChg>
-      <pc:sldChg chg="modSp mod">
-        <pc:chgData name="玉造　潤史" userId="0be71875-873b-465c-afd9-2857e2860bc4" providerId="ADAL" clId="{0EFBDC13-8000-4E56-8345-6F29B5302242}" dt="2024-03-04T09:48:55.096" v="775" actId="20577"/>
-        <pc:sldMkLst>
-          <pc:docMk/>
-          <pc:sldMk cId="891197338" sldId="273"/>
-        </pc:sldMkLst>
-        <pc:spChg chg="mod">
-          <ac:chgData name="玉造　潤史" userId="0be71875-873b-465c-afd9-2857e2860bc4" providerId="ADAL" clId="{0EFBDC13-8000-4E56-8345-6F29B5302242}" dt="2024-03-04T09:48:55.096" v="775" actId="20577"/>
-          <ac:spMkLst>
-            <pc:docMk/>
-            <pc:sldMk cId="891197338" sldId="273"/>
-            <ac:spMk id="2" creationId="{D81609ED-2512-F574-CA99-88D801C37065}"/>
-          </ac:spMkLst>
-        </pc:spChg>
-        <pc:spChg chg="mod">
-          <ac:chgData name="玉造　潤史" userId="0be71875-873b-465c-afd9-2857e2860bc4" providerId="ADAL" clId="{0EFBDC13-8000-4E56-8345-6F29B5302242}" dt="2024-03-04T09:48:32.874" v="742" actId="122"/>
-          <ac:spMkLst>
-            <pc:docMk/>
-            <pc:sldMk cId="891197338" sldId="273"/>
-            <ac:spMk id="13" creationId="{00E07BB1-F2B5-89CC-3597-4A9BFCB5496F}"/>
-          </ac:spMkLst>
-        </pc:spChg>
-        <pc:spChg chg="mod">
-          <ac:chgData name="玉造　潤史" userId="0be71875-873b-465c-afd9-2857e2860bc4" providerId="ADAL" clId="{0EFBDC13-8000-4E56-8345-6F29B5302242}" dt="2024-03-04T09:48:29.413" v="741" actId="122"/>
-          <ac:spMkLst>
-            <pc:docMk/>
-            <pc:sldMk cId="891197338" sldId="273"/>
-            <ac:spMk id="15" creationId="{726C3806-996A-FA3D-84B4-7E2083BA7CC4}"/>
-          </ac:spMkLst>
-        </pc:spChg>
-        <pc:spChg chg="mod">
-          <ac:chgData name="玉造　潤史" userId="0be71875-873b-465c-afd9-2857e2860bc4" providerId="ADAL" clId="{0EFBDC13-8000-4E56-8345-6F29B5302242}" dt="2024-03-04T09:48:26.258" v="740" actId="122"/>
-          <ac:spMkLst>
-            <pc:docMk/>
-            <pc:sldMk cId="891197338" sldId="273"/>
-            <ac:spMk id="16" creationId="{8E13B7DC-765E-2CA0-DC68-158F8B4F12B7}"/>
-          </ac:spMkLst>
-        </pc:spChg>
-        <pc:spChg chg="mod">
-          <ac:chgData name="玉造　潤史" userId="0be71875-873b-465c-afd9-2857e2860bc4" providerId="ADAL" clId="{0EFBDC13-8000-4E56-8345-6F29B5302242}" dt="2024-03-04T09:48:22.615" v="739" actId="122"/>
-          <ac:spMkLst>
-            <pc:docMk/>
-            <pc:sldMk cId="891197338" sldId="273"/>
-            <ac:spMk id="17" creationId="{F9256003-6DDE-838E-9929-1CAD4DE91E2E}"/>
-          </ac:spMkLst>
-        </pc:spChg>
-        <pc:spChg chg="mod">
-          <ac:chgData name="玉造　潤史" userId="0be71875-873b-465c-afd9-2857e2860bc4" providerId="ADAL" clId="{0EFBDC13-8000-4E56-8345-6F29B5302242}" dt="2024-03-04T09:48:44.205" v="760" actId="122"/>
-          <ac:spMkLst>
-            <pc:docMk/>
-            <pc:sldMk cId="891197338" sldId="273"/>
-            <ac:spMk id="18" creationId="{511CA2A3-ADA2-F0D8-B7B3-04DFB7A11571}"/>
-          </ac:spMkLst>
-        </pc:spChg>
-      </pc:sldChg>
-      <pc:sldChg chg="modSp mod">
-        <pc:chgData name="玉造　潤史" userId="0be71875-873b-465c-afd9-2857e2860bc4" providerId="ADAL" clId="{0EFBDC13-8000-4E56-8345-6F29B5302242}" dt="2024-03-04T09:49:56.926" v="875"/>
-        <pc:sldMkLst>
-          <pc:docMk/>
-          <pc:sldMk cId="828353205" sldId="274"/>
-        </pc:sldMkLst>
-        <pc:spChg chg="mod">
-          <ac:chgData name="玉造　潤史" userId="0be71875-873b-465c-afd9-2857e2860bc4" providerId="ADAL" clId="{0EFBDC13-8000-4E56-8345-6F29B5302242}" dt="2024-03-04T09:49:56.926" v="875"/>
-          <ac:spMkLst>
-            <pc:docMk/>
-            <pc:sldMk cId="828353205" sldId="274"/>
-            <ac:spMk id="3" creationId="{DD1302B6-C0D6-5848-C597-54DE624057B3}"/>
-          </ac:spMkLst>
-        </pc:spChg>
-      </pc:sldChg>
-      <pc:sldMasterChg chg="modSp mod modSldLayout">
-        <pc:chgData name="玉造　潤史" userId="0be71875-873b-465c-afd9-2857e2860bc4" providerId="ADAL" clId="{0EFBDC13-8000-4E56-8345-6F29B5302242}" dt="2024-03-04T09:40:55.417" v="380" actId="20577"/>
-        <pc:sldMasterMkLst>
-          <pc:docMk/>
-          <pc:sldMasterMk cId="304746791" sldId="2147483648"/>
-        </pc:sldMasterMkLst>
-        <pc:spChg chg="mod">
-          <ac:chgData name="玉造　潤史" userId="0be71875-873b-465c-afd9-2857e2860bc4" providerId="ADAL" clId="{0EFBDC13-8000-4E56-8345-6F29B5302242}" dt="2024-03-04T09:40:48.999" v="376" actId="20577"/>
-          <ac:spMkLst>
-            <pc:docMk/>
-            <pc:sldMasterMk cId="304746791" sldId="2147483648"/>
-            <ac:spMk id="4" creationId="{B280A8E4-3765-EB6D-C7C2-46B649A7687B}"/>
-          </ac:spMkLst>
-        </pc:spChg>
-        <pc:spChg chg="mod">
-          <ac:chgData name="玉造　潤史" userId="0be71875-873b-465c-afd9-2857e2860bc4" providerId="ADAL" clId="{0EFBDC13-8000-4E56-8345-6F29B5302242}" dt="2024-03-04T09:40:55.417" v="380" actId="20577"/>
-          <ac:spMkLst>
-            <pc:docMk/>
-            <pc:sldMasterMk cId="304746791" sldId="2147483648"/>
-            <ac:spMk id="5" creationId="{A4958478-3083-61A6-FC47-C2B3C79F6650}"/>
-          </ac:spMkLst>
-        </pc:spChg>
-        <pc:sldLayoutChg chg="modSp mod">
-          <pc:chgData name="玉造　潤史" userId="0be71875-873b-465c-afd9-2857e2860bc4" providerId="ADAL" clId="{0EFBDC13-8000-4E56-8345-6F29B5302242}" dt="2024-03-04T09:40:09.006" v="367" actId="20577"/>
-          <pc:sldLayoutMkLst>
-            <pc:docMk/>
-            <pc:sldMasterMk cId="304746791" sldId="2147483648"/>
-            <pc:sldLayoutMk cId="269570445" sldId="2147483650"/>
-          </pc:sldLayoutMkLst>
-          <pc:spChg chg="mod">
-            <ac:chgData name="玉造　潤史" userId="0be71875-873b-465c-afd9-2857e2860bc4" providerId="ADAL" clId="{0EFBDC13-8000-4E56-8345-6F29B5302242}" dt="2024-03-04T09:40:01.215" v="363" actId="20577"/>
-            <ac:spMkLst>
-              <pc:docMk/>
-              <pc:sldMasterMk cId="304746791" sldId="2147483648"/>
-              <pc:sldLayoutMk cId="269570445" sldId="2147483650"/>
-              <ac:spMk id="4" creationId="{C7D5AC22-BA16-38E5-464D-6A22ADF87309}"/>
-            </ac:spMkLst>
-          </pc:spChg>
-          <pc:spChg chg="mod">
-            <ac:chgData name="玉造　潤史" userId="0be71875-873b-465c-afd9-2857e2860bc4" providerId="ADAL" clId="{0EFBDC13-8000-4E56-8345-6F29B5302242}" dt="2024-03-04T09:40:09.006" v="367" actId="20577"/>
-            <ac:spMkLst>
-              <pc:docMk/>
-              <pc:sldMasterMk cId="304746791" sldId="2147483648"/>
-              <pc:sldLayoutMk cId="269570445" sldId="2147483650"/>
-              <ac:spMk id="5" creationId="{3BE7FCE5-5557-1383-8109-B96AFBA1DE8B}"/>
-            </ac:spMkLst>
-          </pc:spChg>
-        </pc:sldLayoutChg>
-      </pc:sldMasterChg>
-    </pc:docChg>
-  </pc:docChgLst>
-  <pc:docChgLst>
-    <pc:chgData name="田浦　健次朗" userId="S::2615215597@utac.u-tokyo.ac.jp::4dc884a8-fd95-403d-a383-b378924a686d" providerId="AD" clId="Web-{62FC2E06-EC7C-E641-FD43-B30EA7004029}"/>
-    <pc:docChg chg="mod">
-      <pc:chgData name="田浦　健次朗" userId="S::2615215597@utac.u-tokyo.ac.jp::4dc884a8-fd95-403d-a383-b378924a686d" providerId="AD" clId="Web-{62FC2E06-EC7C-E641-FD43-B30EA7004029}" dt="2024-03-05T00:04:50.292" v="1"/>
-      <pc:docMkLst>
-        <pc:docMk/>
-      </pc:docMkLst>
-      <pc:sldChg chg="addCm">
-        <pc:chgData name="田浦　健次朗" userId="S::2615215597@utac.u-tokyo.ac.jp::4dc884a8-fd95-403d-a383-b378924a686d" providerId="AD" clId="Web-{62FC2E06-EC7C-E641-FD43-B30EA7004029}" dt="2024-03-05T00:04:50.292" v="1"/>
-        <pc:sldMkLst>
-          <pc:docMk/>
-          <pc:sldMk cId="2817171327" sldId="256"/>
-        </pc:sldMkLst>
-        <pc:extLst>
-          <p:ext xmlns:p="http://schemas.openxmlformats.org/presentationml/2006/main" uri="{D6D511B9-2390-475A-947B-AFAB55BFBCF1}">
-            <pc226:cmChg xmlns:pc226="http://schemas.microsoft.com/office/powerpoint/2022/06/main/command" chg="add">
-              <pc226:chgData name="田浦　健次朗" userId="S::2615215597@utac.u-tokyo.ac.jp::4dc884a8-fd95-403d-a383-b378924a686d" providerId="AD" clId="Web-{62FC2E06-EC7C-E641-FD43-B30EA7004029}" dt="2024-03-05T00:04:50.292" v="1"/>
-              <pc2:cmMkLst xmlns:pc2="http://schemas.microsoft.com/office/powerpoint/2019/9/main/command">
-                <pc:docMk/>
-                <pc:sldMk cId="2817171327" sldId="256"/>
-                <pc2:cmMk id="{B8DC98D4-2638-4AAB-9D3B-6D1A35CD97EC}"/>
-              </pc2:cmMkLst>
-            </pc226:cmChg>
-          </p:ext>
-        </pc:extLst>
-      </pc:sldChg>
-    </pc:docChg>
-  </pc:docChgLst>
-</pc:chgInfo>
 </file>
 
 <file path=ppt/comments/modernComment_100_A7EA9F7F.xml><?xml version="1.0" encoding="utf-8"?>
@@ -589,7 +265,7 @@
           <a:p>
             <a:fld id="{6D2A0333-042B-6B44-A752-FAF2BCB7C72B}" type="datetimeFigureOut">
               <a:rPr kumimoji="1" lang="ja-JP" altLang="en-US" smtClean="0"/>
-              <a:t>2024/3/10</a:t>
+              <a:t>2024/3/11</a:t>
             </a:fld>
             <a:endParaRPr kumimoji="1" lang="ja-JP" altLang="en-US"/>
           </a:p>
@@ -5168,7 +4844,7 @@
               <a:rPr lang="en-US" altLang="ja-JP" dirty="0" err="1">
                 <a:ea typeface="メイリオ"/>
               </a:rPr>
-              <a:t>Utelecon</a:t>
+              <a:t>utelecon</a:t>
             </a:r>
             <a:r>
               <a:rPr lang="ja-JP" altLang="en-US">
@@ -5204,7 +4880,7 @@
           <a:lstStyle/>
           <a:p>
             <a:r>
-              <a:rPr kumimoji="1" lang="ja-JP" altLang="en-US"/>
+              <a:rPr kumimoji="1" lang="ja-JP" altLang="en-US" dirty="0"/>
               <a:t>「やりたいことから探す」</a:t>
             </a:r>
             <a:endParaRPr kumimoji="1" lang="en-US" altLang="ja-JP" dirty="0"/>
@@ -5212,7 +4888,7 @@
           <a:p>
             <a:pPr lvl="1"/>
             <a:r>
-              <a:rPr lang="ja-JP" altLang="en-US"/>
+              <a:rPr lang="ja-JP" altLang="en-US" dirty="0"/>
               <a:t>オンライン・ハイブリッド・対面の授業で</a:t>
             </a:r>
             <a:endParaRPr lang="en-US" altLang="ja-JP" dirty="0"/>
@@ -5220,7 +4896,7 @@
           <a:p>
             <a:pPr lvl="2"/>
             <a:r>
-              <a:rPr lang="ja-JP" altLang="en-US"/>
+              <a:rPr lang="ja-JP" altLang="en-US" dirty="0"/>
               <a:t>発展的な工夫をしたい時のポイント・コツを紹介</a:t>
             </a:r>
             <a:endParaRPr lang="en-US" altLang="ja-JP" dirty="0"/>
@@ -5228,7 +4904,7 @@
           <a:p>
             <a:pPr lvl="1"/>
             <a:r>
-              <a:rPr lang="ja-JP" altLang="en-US"/>
+              <a:rPr lang="ja-JP" altLang="en-US" dirty="0"/>
               <a:t>たとえば：</a:t>
             </a:r>
             <a:endParaRPr lang="en-US" altLang="ja-JP" dirty="0"/>
@@ -5236,39 +4912,23 @@
           <a:p>
             <a:pPr lvl="2"/>
             <a:r>
-              <a:rPr lang="ja-JP" altLang="en-US"/>
+              <a:rPr lang="ja-JP" altLang="en-US" dirty="0"/>
               <a:t>動画を作成・共有したい</a:t>
             </a:r>
             <a:endParaRPr lang="en-US" altLang="ja-JP" dirty="0"/>
           </a:p>
           <a:p>
-            <a:pPr lvl="3"/>
-            <a:r>
-              <a:rPr lang="ja-JP" altLang="en-US"/>
-              <a:t>リンクを貼る</a:t>
+            <a:pPr lvl="2"/>
+            <a:r>
+              <a:rPr lang="ja-JP" altLang="en-US" dirty="0"/>
+              <a:t>質問の受け付け方を工夫したい</a:t>
             </a:r>
             <a:endParaRPr lang="en-US" altLang="ja-JP" dirty="0"/>
           </a:p>
           <a:p>
-            <a:pPr lvl="2"/>
-            <a:r>
-              <a:rPr lang="ja-JP" altLang="en-US"/>
-              <a:t>質問の受け付け方を工夫したい</a:t>
-            </a:r>
-            <a:endParaRPr lang="en-US" altLang="ja-JP" dirty="0"/>
-          </a:p>
-          <a:p>
-            <a:pPr lvl="3"/>
-            <a:r>
-              <a:rPr lang="ja-JP" altLang="en-US"/>
-              <a:t>リンクを貼る</a:t>
-            </a:r>
-            <a:endParaRPr lang="en-US" altLang="ja-JP" dirty="0"/>
-          </a:p>
-          <a:p>
             <a:pPr lvl="1"/>
             <a:r>
-              <a:rPr lang="ja-JP" altLang="en-US"/>
+              <a:rPr lang="ja-JP" altLang="en-US" dirty="0"/>
               <a:t>まだ発展途上。今後も充実させていく方針です</a:t>
             </a:r>
             <a:endParaRPr lang="en-US" altLang="ja-JP" dirty="0"/>
@@ -5433,11 +5093,15 @@
           <a:lstStyle/>
           <a:p>
             <a:r>
-              <a:rPr kumimoji="1" lang="en-US" altLang="ja-JP" dirty="0" err="1"/>
-              <a:t>Utelecon</a:t>
-            </a:r>
-            <a:r>
-              <a:rPr kumimoji="1" lang="ja-JP" altLang="en-US"/>
+              <a:rPr lang="en-US" altLang="ja-JP" dirty="0" err="1">
+                <a:ea typeface="メイリオ"/>
+              </a:rPr>
+              <a:t>utelecon</a:t>
+            </a:r>
+            <a:r>
+              <a:rPr kumimoji="1" lang="ja-JP" altLang="en-US">
+                <a:ea typeface="メイリオ"/>
+              </a:rPr>
               <a:t>のコンテンツ（活用編）</a:t>
             </a:r>
           </a:p>
@@ -5461,28 +5125,38 @@
         </p:nvSpPr>
         <p:spPr/>
         <p:txBody>
-          <a:bodyPr>
+          <a:bodyPr vert="horz" lIns="91440" tIns="45720" rIns="91440" bIns="45720" rtlCol="0" anchor="t">
             <a:normAutofit fontScale="92500"/>
           </a:bodyPr>
           <a:lstStyle/>
           <a:p>
             <a:r>
-              <a:rPr lang="en-US" altLang="ja-JP" dirty="0" err="1"/>
-              <a:t>Utelecon</a:t>
-            </a:r>
-            <a:r>
-              <a:rPr lang="ja-JP" altLang="en-US"/>
+              <a:rPr lang="en-US" altLang="ja-JP" dirty="0" err="1">
+                <a:ea typeface="メイリオ"/>
+              </a:rPr>
+              <a:t>utelecon</a:t>
+            </a:r>
+            <a:r>
+              <a:rPr lang="ja-JP" altLang="en-US">
+                <a:ea typeface="メイリオ"/>
+              </a:rPr>
               <a:t>は、よりよい授業に向けた、教員による</a:t>
             </a:r>
             <a:r>
-              <a:rPr lang="en-US" altLang="ja-JP" dirty="0"/>
+              <a:rPr lang="en-US" altLang="ja-JP" dirty="0">
+                <a:ea typeface="メイリオ"/>
+              </a:rPr>
               <a:t>ICT</a:t>
             </a:r>
             <a:r>
-              <a:rPr lang="ja-JP" altLang="en-US"/>
+              <a:rPr lang="ja-JP" altLang="en-US">
+                <a:ea typeface="メイリオ"/>
+              </a:rPr>
               <a:t>活用事例集も提供しています</a:t>
             </a:r>
-            <a:endParaRPr lang="en-US" altLang="ja-JP" dirty="0"/>
+            <a:endParaRPr lang="en-US" altLang="ja-JP" dirty="0">
+              <a:ea typeface="メイリオ"/>
+            </a:endParaRPr>
           </a:p>
           <a:p>
             <a:r>
@@ -5703,11 +5377,15 @@
           <a:lstStyle/>
           <a:p>
             <a:r>
-              <a:rPr kumimoji="1" lang="en-US" altLang="ja-JP" dirty="0" err="1"/>
-              <a:t>Utelecon</a:t>
-            </a:r>
-            <a:r>
-              <a:rPr kumimoji="1" lang="ja-JP" altLang="en-US"/>
+              <a:rPr lang="en-US" altLang="ja-JP" dirty="0" err="1">
+                <a:ea typeface="メイリオ"/>
+              </a:rPr>
+              <a:t>utelecon</a:t>
+            </a:r>
+            <a:r>
+              <a:rPr kumimoji="1" lang="ja-JP" altLang="en-US">
+                <a:ea typeface="メイリオ"/>
+              </a:rPr>
               <a:t>のコンテンツ（その他）</a:t>
             </a:r>
           </a:p>
@@ -5731,45 +5409,67 @@
         </p:nvSpPr>
         <p:spPr/>
         <p:txBody>
-          <a:bodyPr/>
-          <a:lstStyle/>
-          <a:p>
-            <a:r>
-              <a:rPr kumimoji="1" lang="en-US" altLang="ja-JP" dirty="0" err="1"/>
-              <a:t>Utelecon</a:t>
-            </a:r>
-            <a:r>
-              <a:rPr kumimoji="1" lang="ja-JP" altLang="en-US"/>
+          <a:bodyPr vert="horz" lIns="91440" tIns="45720" rIns="91440" bIns="45720" rtlCol="0" anchor="t">
+            <a:normAutofit/>
+          </a:bodyPr>
+          <a:lstStyle/>
+          <a:p>
+            <a:r>
+              <a:rPr lang="en-US" altLang="ja-JP" dirty="0" err="1">
+                <a:ea typeface="メイリオ"/>
+              </a:rPr>
+              <a:t>utelecon</a:t>
+            </a:r>
+            <a:r>
+              <a:rPr kumimoji="1" lang="ja-JP" altLang="en-US">
+                <a:ea typeface="メイリオ"/>
+              </a:rPr>
               <a:t>には英語版ページがあります</a:t>
             </a:r>
-            <a:endParaRPr kumimoji="1" lang="en-US" altLang="ja-JP" dirty="0"/>
-          </a:p>
-          <a:p>
-            <a:r>
-              <a:rPr lang="ja-JP" altLang="en-US"/>
+            <a:endParaRPr kumimoji="1" lang="en-US" altLang="ja-JP" dirty="0">
+              <a:ea typeface="メイリオ"/>
+            </a:endParaRPr>
+          </a:p>
+          <a:p>
+            <a:r>
+              <a:rPr lang="ja-JP" altLang="en-US">
+                <a:ea typeface="メイリオ"/>
+              </a:rPr>
               <a:t>検索窓もできます（</a:t>
             </a:r>
             <a:r>
-              <a:rPr lang="en-US" altLang="ja-JP" dirty="0"/>
+              <a:rPr lang="en-US" altLang="ja-JP" dirty="0">
+                <a:ea typeface="メイリオ"/>
+              </a:rPr>
               <a:t>※</a:t>
             </a:r>
             <a:r>
-              <a:rPr lang="en-US" altLang="ja-JP" dirty="0" err="1"/>
-              <a:t>Utelecon</a:t>
-            </a:r>
-            <a:r>
-              <a:rPr lang="ja-JP" altLang="en-US"/>
+              <a:rPr lang="en-US" altLang="ja-JP" dirty="0" err="1">
+                <a:ea typeface="メイリオ"/>
+              </a:rPr>
+              <a:t>utelecon</a:t>
+            </a:r>
+            <a:r>
+              <a:rPr lang="ja-JP" altLang="en-US">
+                <a:ea typeface="メイリオ"/>
+              </a:rPr>
               <a:t>サイト以外の東京大学の</a:t>
             </a:r>
             <a:r>
-              <a:rPr lang="en-US" altLang="ja-JP" dirty="0"/>
+              <a:rPr lang="en-US" altLang="ja-JP" dirty="0">
+                <a:ea typeface="メイリオ"/>
+              </a:rPr>
               <a:t>ICT</a:t>
             </a:r>
             <a:r>
-              <a:rPr lang="ja-JP" altLang="en-US"/>
+              <a:rPr lang="ja-JP" altLang="en-US">
+                <a:ea typeface="メイリオ"/>
+              </a:rPr>
               <a:t>サービスのページも出てきます）</a:t>
             </a:r>
-            <a:endParaRPr lang="en-US" altLang="ja-JP" dirty="0"/>
+            <a:endParaRPr lang="en-US" altLang="ja-JP" dirty="0">
+              <a:ea typeface="メイリオ"/>
+            </a:endParaRPr>
           </a:p>
           <a:p>
             <a:r>
@@ -6363,11 +6063,15 @@
           <a:lstStyle/>
           <a:p>
             <a:r>
-              <a:rPr kumimoji="1" lang="en-US" altLang="ja-JP" dirty="0" err="1"/>
-              <a:t>Utelecon</a:t>
-            </a:r>
-            <a:r>
-              <a:rPr kumimoji="1" lang="ja-JP" altLang="en-US"/>
+              <a:rPr lang="en-US" altLang="ja-JP" dirty="0" err="1">
+                <a:ea typeface="メイリオ"/>
+              </a:rPr>
+              <a:t>utelecon</a:t>
+            </a:r>
+            <a:r>
+              <a:rPr kumimoji="1" lang="ja-JP" altLang="en-US">
+                <a:ea typeface="メイリオ"/>
+              </a:rPr>
               <a:t>サポーター</a:t>
             </a:r>
           </a:p>
@@ -6391,26 +6095,38 @@
         </p:nvSpPr>
         <p:spPr/>
         <p:txBody>
-          <a:bodyPr/>
-          <a:lstStyle/>
-          <a:p>
-            <a:r>
-              <a:rPr kumimoji="1" lang="en-US" altLang="ja-JP" dirty="0" err="1"/>
-              <a:t>Utelecon</a:t>
-            </a:r>
-            <a:r>
-              <a:rPr kumimoji="1" lang="ja-JP" altLang="en-US" dirty="0"/>
+          <a:bodyPr vert="horz" lIns="91440" tIns="45720" rIns="91440" bIns="45720" rtlCol="0" anchor="t">
+            <a:normAutofit/>
+          </a:bodyPr>
+          <a:lstStyle/>
+          <a:p>
+            <a:r>
+              <a:rPr lang="en-US" altLang="ja-JP" dirty="0" err="1">
+                <a:ea typeface="メイリオ"/>
+              </a:rPr>
+              <a:t>utelecon</a:t>
+            </a:r>
+            <a:r>
+              <a:rPr kumimoji="1" lang="ja-JP" altLang="en-US">
+                <a:ea typeface="メイリオ"/>
+              </a:rPr>
               <a:t>サイトを起点として情報システム</a:t>
             </a:r>
             <a:r>
-              <a:rPr kumimoji="1" lang="en-US" altLang="ja-JP" dirty="0"/>
+              <a:rPr kumimoji="1" lang="en-US" altLang="ja-JP" dirty="0">
+                <a:ea typeface="メイリオ"/>
+              </a:rPr>
               <a:t>(IT)</a:t>
             </a:r>
             <a:r>
-              <a:rPr kumimoji="1" lang="ja-JP" altLang="en-US" dirty="0"/>
+              <a:rPr kumimoji="1" lang="ja-JP" altLang="en-US">
+                <a:ea typeface="メイリオ"/>
+              </a:rPr>
               <a:t>を活用した教育活動の高度化・普遍化を支援する学生サポーター</a:t>
             </a:r>
-            <a:endParaRPr kumimoji="1" lang="en-US" altLang="ja-JP" dirty="0"/>
+            <a:endParaRPr kumimoji="1" lang="en-US" altLang="ja-JP">
+              <a:ea typeface="メイリオ"/>
+            </a:endParaRPr>
           </a:p>
           <a:p>
             <a:r>
@@ -6438,34 +6154,50 @@
           <a:p>
             <a:pPr lvl="1"/>
             <a:r>
-              <a:rPr lang="en-US" altLang="ja-JP" dirty="0" err="1"/>
-              <a:t>Utelecon</a:t>
-            </a:r>
-            <a:r>
-              <a:rPr lang="ja-JP" altLang="en-US" dirty="0"/>
+              <a:rPr lang="en-US" altLang="ja-JP" dirty="0" err="1">
+                <a:ea typeface="メイリオ"/>
+              </a:rPr>
+              <a:t>utelecon</a:t>
+            </a:r>
+            <a:r>
+              <a:rPr lang="ja-JP" altLang="en-US">
+                <a:ea typeface="メイリオ"/>
+              </a:rPr>
               <a:t>の記事執筆・古くなった情報の更新</a:t>
             </a:r>
-            <a:endParaRPr lang="en-US" altLang="ja-JP" dirty="0"/>
+            <a:endParaRPr lang="en-US" altLang="ja-JP">
+              <a:ea typeface="メイリオ"/>
+            </a:endParaRPr>
           </a:p>
           <a:p>
             <a:pPr lvl="1"/>
             <a:r>
-              <a:rPr kumimoji="1" lang="ja-JP" altLang="en-US" dirty="0"/>
+              <a:rPr kumimoji="1" lang="ja-JP" altLang="en-US">
+                <a:ea typeface="メイリオ"/>
+              </a:rPr>
               <a:t>情報システムについて</a:t>
             </a:r>
             <a:r>
-              <a:rPr lang="ja-JP" altLang="en-US" dirty="0"/>
+              <a:rPr lang="ja-JP" altLang="en-US">
+                <a:ea typeface="メイリオ"/>
+              </a:rPr>
               <a:t>の</a:t>
             </a:r>
             <a:r>
-              <a:rPr kumimoji="1" lang="ja-JP" altLang="en-US" dirty="0"/>
+              <a:rPr kumimoji="1" lang="ja-JP" altLang="en-US">
+                <a:ea typeface="メイリオ"/>
+              </a:rPr>
               <a:t>英語での発信　</a:t>
             </a:r>
             <a:r>
-              <a:rPr kumimoji="1" lang="en-US" altLang="ja-JP" dirty="0" err="1"/>
+              <a:rPr kumimoji="1" lang="en-US" altLang="ja-JP" dirty="0" err="1">
+                <a:ea typeface="メイリオ"/>
+              </a:rPr>
               <a:t>etc</a:t>
             </a:r>
-            <a:endParaRPr kumimoji="1" lang="en-US" altLang="ja-JP" dirty="0"/>
+            <a:endParaRPr kumimoji="1" lang="en-US" altLang="ja-JP" dirty="0">
+              <a:ea typeface="メイリオ"/>
+            </a:endParaRPr>
           </a:p>
         </p:txBody>
       </p:sp>
@@ -6883,22 +6615,30 @@
           <a:lstStyle/>
           <a:p>
             <a:r>
-              <a:rPr kumimoji="1" lang="en-US" altLang="ja-JP" dirty="0" err="1"/>
-              <a:t>Utelecon</a:t>
-            </a:r>
-            <a:r>
-              <a:rPr lang="ja-JP" altLang="en-US" dirty="0"/>
+              <a:rPr lang="en-US" altLang="ja-JP" dirty="0" err="1">
+                <a:ea typeface="メイリオ"/>
+              </a:rPr>
+              <a:t>utelecon</a:t>
+            </a:r>
+            <a:r>
+              <a:rPr lang="ja-JP" altLang="en-US">
+                <a:ea typeface="メイリオ"/>
+              </a:rPr>
               <a:t>プロジェクト</a:t>
             </a:r>
             <a:r>
-              <a:rPr kumimoji="1" lang="ja-JP" altLang="en-US" dirty="0"/>
+              <a:rPr kumimoji="1" lang="ja-JP" altLang="en-US">
+                <a:ea typeface="メイリオ"/>
+              </a:rPr>
               <a:t>での</a:t>
             </a:r>
             <a:br>
               <a:rPr kumimoji="1" lang="en-US" altLang="ja-JP" dirty="0"/>
             </a:br>
             <a:r>
-              <a:rPr kumimoji="1" lang="ja-JP" altLang="en-US" dirty="0"/>
+              <a:rPr kumimoji="1" lang="ja-JP" altLang="en-US">
+                <a:ea typeface="メイリオ"/>
+              </a:rPr>
               <a:t>学生と教職員の連携体制</a:t>
             </a:r>
           </a:p>
@@ -7683,7 +7423,7 @@
         </p:nvSpPr>
         <p:spPr/>
         <p:txBody>
-          <a:bodyPr>
+          <a:bodyPr vert="horz" lIns="91440" tIns="45720" rIns="91440" bIns="45720" rtlCol="0" anchor="t">
             <a:normAutofit fontScale="92500"/>
           </a:bodyPr>
           <a:lstStyle/>
@@ -7718,14 +7458,21 @@
           </a:p>
           <a:p>
             <a:r>
-              <a:rPr lang="en-US" altLang="ja-JP" dirty="0" err="1"/>
-              <a:t>Utelecon</a:t>
-            </a:r>
-            <a:r>
-              <a:rPr lang="ja-JP" altLang="en-US" dirty="0"/>
+              <a:rPr lang="en-US" altLang="ja-JP" dirty="0" err="1">
+                <a:ea typeface="メイリオ"/>
+              </a:rPr>
+              <a:t>utelecon</a:t>
+            </a:r>
+            <a:r>
+              <a:rPr lang="ja-JP" altLang="en-US">
+                <a:ea typeface="メイリオ"/>
+              </a:rPr>
               <a:t>は大学全体で情報システムを活用し、高い成果のために協力して進んでいきます。ご支援・ご指導の程よろしくお願いします</a:t>
             </a:r>
-            <a:endParaRPr kumimoji="1" lang="ja-JP" altLang="en-US" dirty="0"/>
+            <a:endParaRPr lang="ja-JP" altLang="en-US">
+              <a:ea typeface="メイリオ"/>
+              <a:cs typeface="Calibri"/>
+            </a:endParaRPr>
           </a:p>
         </p:txBody>
       </p:sp>
@@ -7911,18 +7658,26 @@
         </p:nvSpPr>
         <p:spPr/>
         <p:txBody>
-          <a:bodyPr/>
-          <a:lstStyle/>
-          <a:p>
-            <a:r>
-              <a:rPr lang="en-US" altLang="ja-JP" dirty="0" err="1"/>
-              <a:t>Utelecon</a:t>
-            </a:r>
-            <a:r>
-              <a:rPr lang="ja-JP" altLang="en-US" dirty="0"/>
+          <a:bodyPr vert="horz" lIns="91440" tIns="45720" rIns="91440" bIns="45720" rtlCol="0" anchor="t">
+            <a:normAutofit/>
+          </a:bodyPr>
+          <a:lstStyle/>
+          <a:p>
+            <a:r>
+              <a:rPr lang="en-US" altLang="ja-JP" dirty="0" err="1">
+                <a:ea typeface="メイリオ"/>
+              </a:rPr>
+              <a:t>utelecon</a:t>
+            </a:r>
+            <a:r>
+              <a:rPr lang="ja-JP" altLang="en-US">
+                <a:ea typeface="メイリオ"/>
+              </a:rPr>
               <a:t>プロジェクトについて</a:t>
             </a:r>
-            <a:endParaRPr lang="en-US" altLang="ja-JP" dirty="0"/>
+            <a:endParaRPr lang="en-US" altLang="ja-JP">
+              <a:ea typeface="メイリオ"/>
+            </a:endParaRPr>
           </a:p>
           <a:p>
             <a:pPr lvl="1"/>
@@ -7966,14 +7721,20 @@
           <a:p>
             <a:pPr lvl="1"/>
             <a:r>
-              <a:rPr lang="en-US" altLang="ja-JP" dirty="0" err="1"/>
-              <a:t>Utelecon</a:t>
-            </a:r>
-            <a:r>
-              <a:rPr lang="ja-JP" altLang="en-US" dirty="0"/>
+              <a:rPr lang="en-US" altLang="ja-JP" dirty="0" err="1">
+                <a:ea typeface="メイリオ"/>
+              </a:rPr>
+              <a:t>utelecon</a:t>
+            </a:r>
+            <a:r>
+              <a:rPr lang="ja-JP" altLang="en-US">
+                <a:ea typeface="メイリオ"/>
+              </a:rPr>
               <a:t>サポーター</a:t>
             </a:r>
-            <a:endParaRPr lang="en-US" altLang="ja-JP" dirty="0"/>
+            <a:endParaRPr lang="en-US" altLang="ja-JP">
+              <a:ea typeface="メイリオ"/>
+            </a:endParaRPr>
           </a:p>
           <a:p>
             <a:pPr lvl="1"/>
@@ -8152,11 +7913,15 @@
           <a:lstStyle/>
           <a:p>
             <a:r>
-              <a:rPr lang="en-US" altLang="ja-JP" sz="5400" dirty="0" err="1"/>
-              <a:t>Utelecon</a:t>
-            </a:r>
-            <a:r>
-              <a:rPr lang="ja-JP" altLang="en-US" sz="5400" dirty="0"/>
+              <a:rPr lang="en-US" altLang="ja-JP" sz="5400" dirty="0" err="1">
+                <a:ea typeface="メイリオ"/>
+              </a:rPr>
+              <a:t>utelecon</a:t>
+            </a:r>
+            <a:r>
+              <a:rPr lang="ja-JP" altLang="en-US" sz="5400">
+                <a:ea typeface="メイリオ"/>
+              </a:rPr>
               <a:t>プロジェクトについて</a:t>
             </a:r>
           </a:p>
@@ -8360,11 +8125,15 @@
           <a:lstStyle/>
           <a:p>
             <a:r>
-              <a:rPr lang="en-US" altLang="ja-JP" dirty="0" err="1"/>
-              <a:t>Utelecon</a:t>
-            </a:r>
-            <a:r>
-              <a:rPr lang="ja-JP" altLang="en-US" dirty="0"/>
+              <a:rPr lang="en-US" altLang="ja-JP" dirty="0" err="1">
+                <a:ea typeface="メイリオ"/>
+              </a:rPr>
+              <a:t>utelecon</a:t>
+            </a:r>
+            <a:r>
+              <a:rPr lang="ja-JP" altLang="en-US">
+                <a:ea typeface="メイリオ"/>
+              </a:rPr>
               <a:t>プロジェクトとは</a:t>
             </a:r>
           </a:p>
@@ -8388,7 +8157,7 @@
         </p:nvSpPr>
         <p:spPr/>
         <p:txBody>
-          <a:bodyPr>
+          <a:bodyPr vert="horz" lIns="91440" tIns="45720" rIns="91440" bIns="45720" rtlCol="0" anchor="t">
             <a:normAutofit fontScale="92500"/>
           </a:bodyPr>
           <a:lstStyle/>
@@ -8436,42 +8205,33 @@
           </a:p>
           <a:p>
             <a:r>
-              <a:rPr lang="ja-JP" altLang="en-US" dirty="0"/>
+              <a:rPr lang="ja-JP" altLang="en-US">
+                <a:ea typeface="メイリオ"/>
+              </a:rPr>
               <a:t>詳しくは</a:t>
             </a:r>
             <a:r>
-              <a:rPr lang="en-US" altLang="ja-JP" dirty="0"/>
+              <a:rPr lang="en-US" altLang="ja-JP" dirty="0">
+                <a:ea typeface="メイリオ"/>
+              </a:rPr>
               <a:t> </a:t>
             </a:r>
             <a:r>
               <a:rPr lang="ja-JP" altLang="en-US" dirty="0">
+                <a:ea typeface="メイリオ"/>
                 <a:hlinkClick r:id="rId2"/>
               </a:rPr>
-              <a:t>「</a:t>
-            </a:r>
-            <a:r>
-              <a:rPr lang="en-US" altLang="ja-JP" dirty="0" err="1">
-                <a:hlinkClick r:id="rId2"/>
+              <a:t>「utelecon について」</a:t>
+            </a:r>
+            <a:r>
+              <a:rPr lang="ja-JP" altLang="en-US">
+                <a:ea typeface="メイリオ"/>
               </a:rPr>
-              <a:t>Utelecon</a:t>
-            </a:r>
-            <a:r>
-              <a:rPr lang="en-US" altLang="ja-JP" dirty="0">
-                <a:hlinkClick r:id="rId2"/>
-              </a:rPr>
-              <a:t> </a:t>
-            </a:r>
-            <a:r>
-              <a:rPr lang="ja-JP" altLang="en-US" dirty="0">
-                <a:hlinkClick r:id="rId2"/>
-              </a:rPr>
-              <a:t>について」</a:t>
-            </a:r>
-            <a:r>
-              <a:rPr lang="ja-JP" altLang="en-US" dirty="0"/>
               <a:t>を参照</a:t>
             </a:r>
-            <a:endParaRPr lang="en-US" altLang="ja-JP" dirty="0"/>
+            <a:endParaRPr lang="en-US" altLang="ja-JP">
+              <a:ea typeface="メイリオ"/>
+            </a:endParaRPr>
           </a:p>
         </p:txBody>
       </p:sp>
@@ -8634,11 +8394,15 @@
           <a:lstStyle/>
           <a:p>
             <a:r>
-              <a:rPr kumimoji="1" lang="en-US" altLang="ja-JP" dirty="0" err="1"/>
-              <a:t>Utelecon</a:t>
-            </a:r>
-            <a:r>
-              <a:rPr kumimoji="1" lang="ja-JP" altLang="en-US"/>
+              <a:rPr lang="en-US" altLang="ja-JP" dirty="0" err="1">
+                <a:ea typeface="メイリオ"/>
+              </a:rPr>
+              <a:t>utelecon</a:t>
+            </a:r>
+            <a:r>
+              <a:rPr kumimoji="1" lang="ja-JP" altLang="en-US">
+                <a:ea typeface="メイリオ"/>
+              </a:rPr>
               <a:t>のコンテンツ</a:t>
             </a:r>
           </a:p>
@@ -8936,14 +8700,20 @@
           <a:lstStyle/>
           <a:p>
             <a:r>
-              <a:rPr lang="en-US" altLang="ja-JP" dirty="0" err="1"/>
-              <a:t>Utelecon</a:t>
-            </a:r>
-            <a:r>
-              <a:rPr lang="ja-JP" altLang="en-US"/>
+              <a:rPr lang="en-US" altLang="ja-JP" dirty="0" err="1">
+                <a:ea typeface="メイリオ"/>
+              </a:rPr>
+              <a:t>utelecon</a:t>
+            </a:r>
+            <a:r>
+              <a:rPr lang="ja-JP" altLang="en-US">
+                <a:ea typeface="メイリオ"/>
+              </a:rPr>
               <a:t>のコンテンツ（基礎編）</a:t>
             </a:r>
-            <a:endParaRPr kumimoji="1" lang="ja-JP" altLang="en-US"/>
+            <a:endParaRPr kumimoji="1" lang="ja-JP" altLang="en-US">
+              <a:ea typeface="メイリオ"/>
+            </a:endParaRPr>
           </a:p>
         </p:txBody>
       </p:sp>
@@ -8965,7 +8735,7 @@
         </p:nvSpPr>
         <p:spPr/>
         <p:txBody>
-          <a:bodyPr>
+          <a:bodyPr vert="horz" lIns="91440" tIns="45720" rIns="91440" bIns="45720" rtlCol="0" anchor="t">
             <a:normAutofit/>
           </a:bodyPr>
           <a:lstStyle/>
@@ -9019,64 +8789,48 @@
             <a:pPr lvl="1"/>
             <a:r>
               <a:rPr kumimoji="1" lang="en-US" altLang="ja-JP" dirty="0" err="1">
-                <a:solidFill>
-                  <a:schemeClr val="tx2"/>
-                </a:solidFill>
+                <a:ea typeface="メイリオ"/>
               </a:rPr>
               <a:t>UTokyo</a:t>
             </a:r>
             <a:r>
               <a:rPr kumimoji="1" lang="en-US" altLang="ja-JP" dirty="0">
-                <a:solidFill>
-                  <a:schemeClr val="tx2"/>
-                </a:solidFill>
+                <a:ea typeface="メイリオ"/>
               </a:rPr>
               <a:t> Account</a:t>
             </a:r>
             <a:r>
               <a:rPr kumimoji="1" lang="ja-JP" altLang="en-US">
-                <a:solidFill>
-                  <a:schemeClr val="tx2"/>
-                </a:solidFill>
+                <a:ea typeface="メイリオ"/>
               </a:rPr>
               <a:t>、</a:t>
             </a:r>
             <a:r>
               <a:rPr kumimoji="1" lang="en-US" altLang="ja-JP" dirty="0">
-                <a:solidFill>
-                  <a:schemeClr val="tx2"/>
-                </a:solidFill>
+                <a:ea typeface="メイリオ"/>
               </a:rPr>
               <a:t>zoom</a:t>
             </a:r>
             <a:r>
               <a:rPr kumimoji="1" lang="ja-JP" altLang="en-US">
-                <a:solidFill>
-                  <a:schemeClr val="tx2"/>
-                </a:solidFill>
+                <a:ea typeface="メイリオ"/>
               </a:rPr>
               <a:t>、</a:t>
             </a:r>
             <a:r>
-              <a:rPr kumimoji="1" lang="en-US" altLang="ja-JP" dirty="0">
-                <a:solidFill>
-                  <a:schemeClr val="tx2"/>
-                </a:solidFill>
+              <a:rPr lang="ja-JP" altLang="en-US">
+                <a:ea typeface="メイリオ"/>
               </a:rPr>
-              <a:t>ITC-LMS</a:t>
+              <a:t>UTOL</a:t>
             </a:r>
             <a:r>
               <a:rPr kumimoji="1" lang="ja-JP" altLang="en-US">
-                <a:solidFill>
-                  <a:schemeClr val="tx2"/>
-                </a:solidFill>
+                <a:ea typeface="メイリオ"/>
               </a:rPr>
               <a:t>など</a:t>
             </a:r>
             <a:endParaRPr kumimoji="1" lang="en-US" altLang="ja-JP" dirty="0">
-              <a:solidFill>
-                <a:schemeClr val="tx2"/>
-              </a:solidFill>
+              <a:ea typeface="メイリオ"/>
             </a:endParaRPr>
           </a:p>
           <a:p>
@@ -9272,11 +9026,15 @@
           <a:lstStyle/>
           <a:p>
             <a:r>
-              <a:rPr kumimoji="1" lang="en-US" altLang="ja-JP" dirty="0" err="1"/>
-              <a:t>Utelecon</a:t>
-            </a:r>
-            <a:r>
-              <a:rPr kumimoji="1" lang="ja-JP" altLang="en-US"/>
+              <a:rPr lang="en-US" altLang="ja-JP" dirty="0" err="1">
+                <a:ea typeface="メイリオ"/>
+              </a:rPr>
+              <a:t>utelecon</a:t>
+            </a:r>
+            <a:r>
+              <a:rPr kumimoji="1" lang="ja-JP" altLang="en-US">
+                <a:ea typeface="メイリオ"/>
+              </a:rPr>
               <a:t>のコンテンツ（活用編）</a:t>
             </a:r>
           </a:p>
@@ -9500,14 +9258,20 @@
           <a:lstStyle/>
           <a:p>
             <a:r>
-              <a:rPr lang="en-US" altLang="ja-JP" dirty="0" err="1"/>
-              <a:t>Utelecon</a:t>
-            </a:r>
-            <a:r>
-              <a:rPr lang="ja-JP" altLang="en-US"/>
+              <a:rPr lang="en-US" altLang="ja-JP" dirty="0" err="1">
+                <a:ea typeface="メイリオ"/>
+              </a:rPr>
+              <a:t>utelecon</a:t>
+            </a:r>
+            <a:r>
+              <a:rPr lang="ja-JP" altLang="en-US">
+                <a:ea typeface="メイリオ"/>
+              </a:rPr>
               <a:t>のコンテンツ（活用編）</a:t>
             </a:r>
-            <a:endParaRPr kumimoji="1" lang="ja-JP" altLang="en-US"/>
+            <a:endParaRPr kumimoji="1" lang="ja-JP" altLang="en-US">
+              <a:ea typeface="メイリオ"/>
+            </a:endParaRPr>
           </a:p>
         </p:txBody>
       </p:sp>
@@ -9833,11 +9597,15 @@
           <a:lstStyle/>
           <a:p>
             <a:r>
-              <a:rPr kumimoji="1" lang="en-US" altLang="ja-JP" dirty="0" err="1"/>
-              <a:t>Utelecon</a:t>
-            </a:r>
-            <a:r>
-              <a:rPr kumimoji="1" lang="ja-JP" altLang="en-US"/>
+              <a:rPr lang="en-US" altLang="ja-JP" dirty="0" err="1">
+                <a:ea typeface="メイリオ"/>
+              </a:rPr>
+              <a:t>utelecon</a:t>
+            </a:r>
+            <a:r>
+              <a:rPr kumimoji="1" lang="ja-JP" altLang="en-US">
+                <a:ea typeface="メイリオ"/>
+              </a:rPr>
               <a:t>のコンテンツ（活用編）</a:t>
             </a:r>
           </a:p>
@@ -9865,7 +9633,7 @@
           <a:lstStyle/>
           <a:p>
             <a:r>
-              <a:rPr kumimoji="1" lang="ja-JP" altLang="en-US"/>
+              <a:rPr kumimoji="1" lang="ja-JP" altLang="en-US" dirty="0"/>
               <a:t>「使えるツールから探す」</a:t>
             </a:r>
             <a:endParaRPr kumimoji="1" lang="en-US" altLang="ja-JP" dirty="0"/>
@@ -9873,7 +9641,7 @@
           <a:p>
             <a:pPr lvl="1"/>
             <a:r>
-              <a:rPr lang="ja-JP" altLang="en-US"/>
+              <a:rPr lang="ja-JP" altLang="en-US" dirty="0"/>
               <a:t>オンライン・ハイブリッド・対面の授業を充実させるツールの活用ポイント・コツを紹介</a:t>
             </a:r>
             <a:endParaRPr lang="en-US" altLang="ja-JP" dirty="0"/>
@@ -9881,7 +9649,7 @@
           <a:p>
             <a:pPr lvl="1"/>
             <a:r>
-              <a:rPr kumimoji="1" lang="ja-JP" altLang="en-US"/>
+              <a:rPr kumimoji="1" lang="ja-JP" altLang="en-US" dirty="0"/>
               <a:t>会議や研究室運営、コミュニケーションにも</a:t>
             </a:r>
             <a:endParaRPr kumimoji="1" lang="en-US" altLang="ja-JP" dirty="0"/>
@@ -9889,7 +9657,7 @@
           <a:p>
             <a:pPr lvl="1"/>
             <a:r>
-              <a:rPr lang="ja-JP" altLang="en-US"/>
+              <a:rPr lang="ja-JP" altLang="en-US" dirty="0"/>
               <a:t>たとえば：</a:t>
             </a:r>
             <a:endParaRPr lang="en-US" altLang="ja-JP" dirty="0"/>
@@ -9897,7 +9665,7 @@
           <a:p>
             <a:pPr lvl="2"/>
             <a:r>
-              <a:rPr kumimoji="1" lang="ja-JP" altLang="en-US"/>
+              <a:rPr kumimoji="1" lang="ja-JP" altLang="en-US" dirty="0"/>
               <a:t>手書きノートアプリ「</a:t>
             </a:r>
             <a:r>
@@ -9905,23 +9673,15 @@
               <a:t>GoodNotes5</a:t>
             </a:r>
             <a:r>
-              <a:rPr kumimoji="1" lang="ja-JP" altLang="en-US"/>
+              <a:rPr kumimoji="1" lang="ja-JP" altLang="en-US" dirty="0"/>
               <a:t>」の使い方</a:t>
             </a:r>
-            <a:endParaRPr kumimoji="1" lang="en-US" altLang="ja-JP" dirty="0"/>
-          </a:p>
-          <a:p>
-            <a:pPr lvl="3"/>
-            <a:r>
-              <a:rPr lang="ja-JP" altLang="en-US"/>
-              <a:t>リンク貼る</a:t>
-            </a:r>
             <a:endParaRPr lang="en-US" altLang="ja-JP" dirty="0"/>
           </a:p>
           <a:p>
             <a:pPr lvl="2"/>
             <a:r>
-              <a:rPr kumimoji="1" lang="ja-JP" altLang="en-US"/>
+              <a:rPr kumimoji="1" lang="ja-JP" altLang="en-US" dirty="0"/>
               <a:t>コミュニケーションツール「</a:t>
             </a:r>
             <a:r>
@@ -9929,18 +9689,10 @@
               <a:t>Slack</a:t>
             </a:r>
             <a:r>
-              <a:rPr kumimoji="1" lang="ja-JP" altLang="en-US"/>
+              <a:rPr kumimoji="1" lang="ja-JP" altLang="en-US" dirty="0"/>
               <a:t>」の使い方</a:t>
             </a:r>
             <a:endParaRPr kumimoji="1" lang="en-US" altLang="ja-JP" dirty="0"/>
-          </a:p>
-          <a:p>
-            <a:pPr lvl="3"/>
-            <a:r>
-              <a:rPr lang="ja-JP" altLang="en-US"/>
-              <a:t>リンク貼る</a:t>
-            </a:r>
-            <a:endParaRPr lang="en-US" altLang="ja-JP" dirty="0"/>
           </a:p>
         </p:txBody>
       </p:sp>
@@ -10620,6 +10372,53 @@
 </file>
 
 <file path=customXml/item1.xml><?xml version="1.0" encoding="utf-8"?>
+<p:properties xmlns:p="http://schemas.microsoft.com/office/2006/metadata/properties" xmlns:xsi="http://www.w3.org/2001/XMLSchema-instance" xmlns:pc="http://schemas.microsoft.com/office/infopath/2007/PartnerControls">
+  <documentManagement>
+    <AppVersion xmlns="a16a56a7-942f-43cd-8715-9b42c2d91c00" xsi:nil="true"/>
+    <Invited_Students xmlns="a16a56a7-942f-43cd-8715-9b42c2d91c00" xsi:nil="true"/>
+    <DefaultSectionNames xmlns="a16a56a7-942f-43cd-8715-9b42c2d91c00" xsi:nil="true"/>
+    <Has_Teacher_Only_SectionGroup xmlns="a16a56a7-942f-43cd-8715-9b42c2d91c00" xsi:nil="true"/>
+    <FolderType xmlns="a16a56a7-942f-43cd-8715-9b42c2d91c00" xsi:nil="true"/>
+    <Is_Collaboration_Space_Locked xmlns="a16a56a7-942f-43cd-8715-9b42c2d91c00" xsi:nil="true"/>
+    <Self_Registration_Enabled xmlns="a16a56a7-942f-43cd-8715-9b42c2d91c00" xsi:nil="true"/>
+    <Teachers xmlns="a16a56a7-942f-43cd-8715-9b42c2d91c00">
+      <UserInfo>
+        <DisplayName/>
+        <AccountId xsi:nil="true"/>
+        <AccountType/>
+      </UserInfo>
+    </Teachers>
+    <Templates xmlns="a16a56a7-942f-43cd-8715-9b42c2d91c00" xsi:nil="true"/>
+    <CultureName xmlns="a16a56a7-942f-43cd-8715-9b42c2d91c00" xsi:nil="true"/>
+    <NotebookType xmlns="a16a56a7-942f-43cd-8715-9b42c2d91c00" xsi:nil="true"/>
+    <Students xmlns="a16a56a7-942f-43cd-8715-9b42c2d91c00">
+      <UserInfo>
+        <DisplayName/>
+        <AccountId xsi:nil="true"/>
+        <AccountType/>
+      </UserInfo>
+    </Students>
+    <Student_Groups xmlns="a16a56a7-942f-43cd-8715-9b42c2d91c00">
+      <UserInfo>
+        <DisplayName/>
+        <AccountId xsi:nil="true"/>
+        <AccountType/>
+      </UserInfo>
+    </Student_Groups>
+    <Invited_Teachers xmlns="a16a56a7-942f-43cd-8715-9b42c2d91c00" xsi:nil="true"/>
+    <_activity xmlns="a16a56a7-942f-43cd-8715-9b42c2d91c00" xsi:nil="true"/>
+    <Owner xmlns="a16a56a7-942f-43cd-8715-9b42c2d91c00">
+      <UserInfo>
+        <DisplayName/>
+        <AccountId xsi:nil="true"/>
+        <AccountType/>
+      </UserInfo>
+    </Owner>
+  </documentManagement>
+</p:properties>
+</file>
+
+<file path=customXml/item2.xml><?xml version="1.0" encoding="utf-8"?>
 <ct:contentTypeSchema xmlns:ct="http://schemas.microsoft.com/office/2006/metadata/contentType" xmlns:ma="http://schemas.microsoft.com/office/2006/metadata/properties/metaAttributes" ct:_="" ma:_="" ma:contentTypeName="ドキュメント" ma:contentTypeID="0x01010075F492A2C054684EAC2079D36211550F" ma:contentTypeVersion="33" ma:contentTypeDescription="新しいドキュメントを作成します。" ma:contentTypeScope="" ma:versionID="7446a97c4d84301e73beac445321c13a">
   <xsd:schema xmlns:xsd="http://www.w3.org/2001/XMLSchema" xmlns:xs="http://www.w3.org/2001/XMLSchema" xmlns:p="http://schemas.microsoft.com/office/2006/metadata/properties" xmlns:ns3="a16a56a7-942f-43cd-8715-9b42c2d91c00" xmlns:ns4="744e0557-1a67-4945-ab68-ec3ff7eaa082" targetNamespace="http://schemas.microsoft.com/office/2006/metadata/properties" ma:root="true" ma:fieldsID="f2cb3fadcaa8c56ae379c5e4f664e870" ns3:_="" ns4:_="">
     <xsd:import namespace="a16a56a7-942f-43cd-8715-9b42c2d91c00"/>
@@ -11026,7 +10825,7 @@
 </ct:contentTypeSchema>
 </file>
 
-<file path=customXml/item2.xml><?xml version="1.0" encoding="utf-8"?>
+<file path=customXml/item3.xml><?xml version="1.0" encoding="utf-8"?>
 <?mso-contentType ?>
 <FormTemplates xmlns="http://schemas.microsoft.com/sharepoint/v3/contenttype/forms">
   <Display>DocumentLibraryForm</Display>
@@ -11035,54 +10834,24 @@
 </FormTemplates>
 </file>
 
-<file path=customXml/item3.xml><?xml version="1.0" encoding="utf-8"?>
-<p:properties xmlns:p="http://schemas.microsoft.com/office/2006/metadata/properties" xmlns:xsi="http://www.w3.org/2001/XMLSchema-instance" xmlns:pc="http://schemas.microsoft.com/office/infopath/2007/PartnerControls">
-  <documentManagement>
-    <AppVersion xmlns="a16a56a7-942f-43cd-8715-9b42c2d91c00" xsi:nil="true"/>
-    <Invited_Students xmlns="a16a56a7-942f-43cd-8715-9b42c2d91c00" xsi:nil="true"/>
-    <DefaultSectionNames xmlns="a16a56a7-942f-43cd-8715-9b42c2d91c00" xsi:nil="true"/>
-    <Has_Teacher_Only_SectionGroup xmlns="a16a56a7-942f-43cd-8715-9b42c2d91c00" xsi:nil="true"/>
-    <FolderType xmlns="a16a56a7-942f-43cd-8715-9b42c2d91c00" xsi:nil="true"/>
-    <Is_Collaboration_Space_Locked xmlns="a16a56a7-942f-43cd-8715-9b42c2d91c00" xsi:nil="true"/>
-    <Self_Registration_Enabled xmlns="a16a56a7-942f-43cd-8715-9b42c2d91c00" xsi:nil="true"/>
-    <Teachers xmlns="a16a56a7-942f-43cd-8715-9b42c2d91c00">
-      <UserInfo>
-        <DisplayName/>
-        <AccountId xsi:nil="true"/>
-        <AccountType/>
-      </UserInfo>
-    </Teachers>
-    <Templates xmlns="a16a56a7-942f-43cd-8715-9b42c2d91c00" xsi:nil="true"/>
-    <CultureName xmlns="a16a56a7-942f-43cd-8715-9b42c2d91c00" xsi:nil="true"/>
-    <NotebookType xmlns="a16a56a7-942f-43cd-8715-9b42c2d91c00" xsi:nil="true"/>
-    <Students xmlns="a16a56a7-942f-43cd-8715-9b42c2d91c00">
-      <UserInfo>
-        <DisplayName/>
-        <AccountId xsi:nil="true"/>
-        <AccountType/>
-      </UserInfo>
-    </Students>
-    <Student_Groups xmlns="a16a56a7-942f-43cd-8715-9b42c2d91c00">
-      <UserInfo>
-        <DisplayName/>
-        <AccountId xsi:nil="true"/>
-        <AccountType/>
-      </UserInfo>
-    </Student_Groups>
-    <Invited_Teachers xmlns="a16a56a7-942f-43cd-8715-9b42c2d91c00" xsi:nil="true"/>
-    <_activity xmlns="a16a56a7-942f-43cd-8715-9b42c2d91c00" xsi:nil="true"/>
-    <Owner xmlns="a16a56a7-942f-43cd-8715-9b42c2d91c00">
-      <UserInfo>
-        <DisplayName/>
-        <AccountId xsi:nil="true"/>
-        <AccountType/>
-      </UserInfo>
-    </Owner>
-  </documentManagement>
-</p:properties>
+<file path=customXml/itemProps1.xml><?xml version="1.0" encoding="utf-8"?>
+<ds:datastoreItem xmlns:ds="http://schemas.openxmlformats.org/officeDocument/2006/customXml" ds:itemID="{224D7E22-9DF0-40C9-80B0-F2B72D3751FE}">
+  <ds:schemaRefs>
+    <ds:schemaRef ds:uri="http://schemas.microsoft.com/office/2006/documentManagement/types"/>
+    <ds:schemaRef ds:uri="a16a56a7-942f-43cd-8715-9b42c2d91c00"/>
+    <ds:schemaRef ds:uri="http://purl.org/dc/terms/"/>
+    <ds:schemaRef ds:uri="http://www.w3.org/XML/1998/namespace"/>
+    <ds:schemaRef ds:uri="744e0557-1a67-4945-ab68-ec3ff7eaa082"/>
+    <ds:schemaRef ds:uri="http://schemas.openxmlformats.org/package/2006/metadata/core-properties"/>
+    <ds:schemaRef ds:uri="http://schemas.microsoft.com/office/2006/metadata/properties"/>
+    <ds:schemaRef ds:uri="http://purl.org/dc/dcmitype/"/>
+    <ds:schemaRef ds:uri="http://schemas.microsoft.com/office/infopath/2007/PartnerControls"/>
+    <ds:schemaRef ds:uri="http://purl.org/dc/elements/1.1/"/>
+  </ds:schemaRefs>
+</ds:datastoreItem>
 </file>
 
-<file path=customXml/itemProps1.xml><?xml version="1.0" encoding="utf-8"?>
+<file path=customXml/itemProps2.xml><?xml version="1.0" encoding="utf-8"?>
 <ds:datastoreItem xmlns:ds="http://schemas.openxmlformats.org/officeDocument/2006/customXml" ds:itemID="{2E5AA5F4-9158-43B8-801E-068A85539932}">
   <ds:schemaRefs>
     <ds:schemaRef ds:uri="http://schemas.microsoft.com/office/2006/metadata/contentType"/>
@@ -11101,27 +10870,10 @@
 </ds:datastoreItem>
 </file>
 
-<file path=customXml/itemProps2.xml><?xml version="1.0" encoding="utf-8"?>
+<file path=customXml/itemProps3.xml><?xml version="1.0" encoding="utf-8"?>
 <ds:datastoreItem xmlns:ds="http://schemas.openxmlformats.org/officeDocument/2006/customXml" ds:itemID="{8304FBF4-7D7E-4922-88A1-3E71D061FFA3}">
   <ds:schemaRefs>
     <ds:schemaRef ds:uri="http://schemas.microsoft.com/sharepoint/v3/contenttype/forms"/>
   </ds:schemaRefs>
 </ds:datastoreItem>
-</file>
-
-<file path=customXml/itemProps3.xml><?xml version="1.0" encoding="utf-8"?>
-<ds:datastoreItem xmlns:ds="http://schemas.openxmlformats.org/officeDocument/2006/customXml" ds:itemID="{224D7E22-9DF0-40C9-80B0-F2B72D3751FE}">
-  <ds:schemaRefs>
-    <ds:schemaRef ds:uri="http://purl.org/dc/dcmitype/"/>
-    <ds:schemaRef ds:uri="http://schemas.microsoft.com/office/2006/metadata/properties"/>
-    <ds:schemaRef ds:uri="http://schemas.microsoft.com/office/2006/documentManagement/types"/>
-    <ds:schemaRef ds:uri="a16a56a7-942f-43cd-8715-9b42c2d91c00"/>
-    <ds:schemaRef ds:uri="http://purl.org/dc/elements/1.1/"/>
-    <ds:schemaRef ds:uri="744e0557-1a67-4945-ab68-ec3ff7eaa082"/>
-    <ds:schemaRef ds:uri="http://www.w3.org/XML/1998/namespace"/>
-    <ds:schemaRef ds:uri="http://schemas.microsoft.com/office/infopath/2007/PartnerControls"/>
-    <ds:schemaRef ds:uri="http://schemas.openxmlformats.org/package/2006/metadata/core-properties"/>
-    <ds:schemaRef ds:uri="http://purl.org/dc/terms/"/>
-  </ds:schemaRefs>
-</ds:datastoreItem>
 </file>